--- a/ppt 16-9/0872.再相会.pptx
+++ b/ppt 16-9/0872.再相会.pptx
@@ -129,7 +129,7 @@
           <p:cNvPr id="2" name="标题 1">
             <a:extLst>
               <a:ext uri="{FF2B5EF4-FFF2-40B4-BE49-F238E27FC236}">
-                <a16:creationId xmlns:a16="http://schemas.microsoft.com/office/drawing/2014/main" id="{1AFAC02C-EAB3-A4C6-0142-50D21AB9DDD7}"/>
+                <a16:creationId xmlns:a16="http://schemas.microsoft.com/office/drawing/2014/main" id="{F2978D14-3480-F871-A1DC-47BBB15FC4CC}"/>
               </a:ext>
             </a:extLst>
           </p:cNvPr>
@@ -166,7 +166,7 @@
           <p:cNvPr id="3" name="副标题 2">
             <a:extLst>
               <a:ext uri="{FF2B5EF4-FFF2-40B4-BE49-F238E27FC236}">
-                <a16:creationId xmlns:a16="http://schemas.microsoft.com/office/drawing/2014/main" id="{95AD5C8C-DBDD-7789-7D3F-FF73C52567EA}"/>
+                <a16:creationId xmlns:a16="http://schemas.microsoft.com/office/drawing/2014/main" id="{664CE32D-06AA-8037-44CD-B2AA1B4FAE05}"/>
               </a:ext>
             </a:extLst>
           </p:cNvPr>
@@ -236,7 +236,7 @@
           <p:cNvPr id="4" name="日期占位符 3">
             <a:extLst>
               <a:ext uri="{FF2B5EF4-FFF2-40B4-BE49-F238E27FC236}">
-                <a16:creationId xmlns:a16="http://schemas.microsoft.com/office/drawing/2014/main" id="{CB54FB01-421C-53BC-BCDB-189CC5CA09D9}"/>
+                <a16:creationId xmlns:a16="http://schemas.microsoft.com/office/drawing/2014/main" id="{1C081FEC-A529-6D2C-891C-1FBAD825F750}"/>
               </a:ext>
             </a:extLst>
           </p:cNvPr>
@@ -252,7 +252,7 @@
           <a:bodyPr/>
           <a:lstStyle/>
           <a:p>
-            <a:fld id="{A7E5414E-846A-4165-9E04-8F66295E9E5F}" type="datetimeFigureOut">
+            <a:fld id="{889B81D4-70A8-46B0-BAD1-5043C90B53DD}" type="datetimeFigureOut">
               <a:rPr lang="zh-CN" altLang="en-US" smtClean="0"/>
               <a:t>2024/3/10</a:t>
             </a:fld>
@@ -265,7 +265,7 @@
           <p:cNvPr id="5" name="页脚占位符 4">
             <a:extLst>
               <a:ext uri="{FF2B5EF4-FFF2-40B4-BE49-F238E27FC236}">
-                <a16:creationId xmlns:a16="http://schemas.microsoft.com/office/drawing/2014/main" id="{1DBF7E03-441E-215E-7468-10E783D3631D}"/>
+                <a16:creationId xmlns:a16="http://schemas.microsoft.com/office/drawing/2014/main" id="{6327D9C3-0E6A-E459-91D4-008FAE6E8FB8}"/>
               </a:ext>
             </a:extLst>
           </p:cNvPr>
@@ -290,7 +290,7 @@
           <p:cNvPr id="6" name="灯片编号占位符 5">
             <a:extLst>
               <a:ext uri="{FF2B5EF4-FFF2-40B4-BE49-F238E27FC236}">
-                <a16:creationId xmlns:a16="http://schemas.microsoft.com/office/drawing/2014/main" id="{BC17D176-6610-8586-7FF3-D2046DC16446}"/>
+                <a16:creationId xmlns:a16="http://schemas.microsoft.com/office/drawing/2014/main" id="{48ECAE21-F782-BAD8-E67F-7BE744ACEC19}"/>
               </a:ext>
             </a:extLst>
           </p:cNvPr>
@@ -306,7 +306,7 @@
           <a:bodyPr/>
           <a:lstStyle/>
           <a:p>
-            <a:fld id="{FF4F35A7-1251-4C4F-BD43-37786C8B0CCA}" type="slidenum">
+            <a:fld id="{1E92B35D-22E7-43B7-96CE-650CE805977C}" type="slidenum">
               <a:rPr lang="zh-CN" altLang="en-US" smtClean="0"/>
               <a:t>‹#›</a:t>
             </a:fld>
@@ -317,7 +317,7 @@
     </p:spTree>
     <p:extLst>
       <p:ext uri="{BB962C8B-B14F-4D97-AF65-F5344CB8AC3E}">
-        <p14:creationId xmlns:p14="http://schemas.microsoft.com/office/powerpoint/2010/main" val="767682411"/>
+        <p14:creationId xmlns:p14="http://schemas.microsoft.com/office/powerpoint/2010/main" val="2176311526"/>
       </p:ext>
     </p:extLst>
   </p:cSld>
@@ -349,7 +349,7 @@
           <p:cNvPr id="2" name="标题 1">
             <a:extLst>
               <a:ext uri="{FF2B5EF4-FFF2-40B4-BE49-F238E27FC236}">
-                <a16:creationId xmlns:a16="http://schemas.microsoft.com/office/drawing/2014/main" id="{5DF13A17-E7E8-5125-B693-03C379ACD79C}"/>
+                <a16:creationId xmlns:a16="http://schemas.microsoft.com/office/drawing/2014/main" id="{EE1A1622-B37F-A62E-B7A3-5F3412C23479}"/>
               </a:ext>
             </a:extLst>
           </p:cNvPr>
@@ -377,7 +377,7 @@
           <p:cNvPr id="3" name="竖排文字占位符 2">
             <a:extLst>
               <a:ext uri="{FF2B5EF4-FFF2-40B4-BE49-F238E27FC236}">
-                <a16:creationId xmlns:a16="http://schemas.microsoft.com/office/drawing/2014/main" id="{B7D4AFA0-A762-7823-799A-0DDBC615D63C}"/>
+                <a16:creationId xmlns:a16="http://schemas.microsoft.com/office/drawing/2014/main" id="{79AE0A29-4CA0-6AE5-D0BA-E1F8C63EE47A}"/>
               </a:ext>
             </a:extLst>
           </p:cNvPr>
@@ -434,7 +434,7 @@
           <p:cNvPr id="4" name="日期占位符 3">
             <a:extLst>
               <a:ext uri="{FF2B5EF4-FFF2-40B4-BE49-F238E27FC236}">
-                <a16:creationId xmlns:a16="http://schemas.microsoft.com/office/drawing/2014/main" id="{97AED02B-FDBA-71D4-A890-31C76E9FEAAF}"/>
+                <a16:creationId xmlns:a16="http://schemas.microsoft.com/office/drawing/2014/main" id="{6CD198BB-1D27-2FDC-8836-4217BE1E4D32}"/>
               </a:ext>
             </a:extLst>
           </p:cNvPr>
@@ -450,7 +450,7 @@
           <a:bodyPr/>
           <a:lstStyle/>
           <a:p>
-            <a:fld id="{A7E5414E-846A-4165-9E04-8F66295E9E5F}" type="datetimeFigureOut">
+            <a:fld id="{889B81D4-70A8-46B0-BAD1-5043C90B53DD}" type="datetimeFigureOut">
               <a:rPr lang="zh-CN" altLang="en-US" smtClean="0"/>
               <a:t>2024/3/10</a:t>
             </a:fld>
@@ -463,7 +463,7 @@
           <p:cNvPr id="5" name="页脚占位符 4">
             <a:extLst>
               <a:ext uri="{FF2B5EF4-FFF2-40B4-BE49-F238E27FC236}">
-                <a16:creationId xmlns:a16="http://schemas.microsoft.com/office/drawing/2014/main" id="{C54864DB-CF8B-EC4B-B3AC-33C633386D67}"/>
+                <a16:creationId xmlns:a16="http://schemas.microsoft.com/office/drawing/2014/main" id="{55692771-A8BD-208D-C3DD-D27473BCEA3C}"/>
               </a:ext>
             </a:extLst>
           </p:cNvPr>
@@ -488,7 +488,7 @@
           <p:cNvPr id="6" name="灯片编号占位符 5">
             <a:extLst>
               <a:ext uri="{FF2B5EF4-FFF2-40B4-BE49-F238E27FC236}">
-                <a16:creationId xmlns:a16="http://schemas.microsoft.com/office/drawing/2014/main" id="{96C3968B-072E-3BE2-E961-965F57F2A63C}"/>
+                <a16:creationId xmlns:a16="http://schemas.microsoft.com/office/drawing/2014/main" id="{6CA28F3C-19A8-843B-5ACE-9828FB4F138C}"/>
               </a:ext>
             </a:extLst>
           </p:cNvPr>
@@ -504,7 +504,7 @@
           <a:bodyPr/>
           <a:lstStyle/>
           <a:p>
-            <a:fld id="{FF4F35A7-1251-4C4F-BD43-37786C8B0CCA}" type="slidenum">
+            <a:fld id="{1E92B35D-22E7-43B7-96CE-650CE805977C}" type="slidenum">
               <a:rPr lang="zh-CN" altLang="en-US" smtClean="0"/>
               <a:t>‹#›</a:t>
             </a:fld>
@@ -515,7 +515,7 @@
     </p:spTree>
     <p:extLst>
       <p:ext uri="{BB962C8B-B14F-4D97-AF65-F5344CB8AC3E}">
-        <p14:creationId xmlns:p14="http://schemas.microsoft.com/office/powerpoint/2010/main" val="3340568088"/>
+        <p14:creationId xmlns:p14="http://schemas.microsoft.com/office/powerpoint/2010/main" val="391715186"/>
       </p:ext>
     </p:extLst>
   </p:cSld>
@@ -547,7 +547,7 @@
           <p:cNvPr id="2" name="竖排标题 1">
             <a:extLst>
               <a:ext uri="{FF2B5EF4-FFF2-40B4-BE49-F238E27FC236}">
-                <a16:creationId xmlns:a16="http://schemas.microsoft.com/office/drawing/2014/main" id="{A138B48F-4231-03E8-1FFD-22C8BDA32D3B}"/>
+                <a16:creationId xmlns:a16="http://schemas.microsoft.com/office/drawing/2014/main" id="{E027FE57-4AC6-2799-20C0-1B11107F5A1F}"/>
               </a:ext>
             </a:extLst>
           </p:cNvPr>
@@ -580,7 +580,7 @@
           <p:cNvPr id="3" name="竖排文字占位符 2">
             <a:extLst>
               <a:ext uri="{FF2B5EF4-FFF2-40B4-BE49-F238E27FC236}">
-                <a16:creationId xmlns:a16="http://schemas.microsoft.com/office/drawing/2014/main" id="{D85C00D8-BF78-F092-0567-04BB50195F14}"/>
+                <a16:creationId xmlns:a16="http://schemas.microsoft.com/office/drawing/2014/main" id="{E4283E27-C728-8CD8-D4F6-1645E4A6489C}"/>
               </a:ext>
             </a:extLst>
           </p:cNvPr>
@@ -642,7 +642,7 @@
           <p:cNvPr id="4" name="日期占位符 3">
             <a:extLst>
               <a:ext uri="{FF2B5EF4-FFF2-40B4-BE49-F238E27FC236}">
-                <a16:creationId xmlns:a16="http://schemas.microsoft.com/office/drawing/2014/main" id="{17A3CEA9-56C2-E35C-D838-5FFDF747B541}"/>
+                <a16:creationId xmlns:a16="http://schemas.microsoft.com/office/drawing/2014/main" id="{134135D6-931F-4234-86CC-0BBE8DF01769}"/>
               </a:ext>
             </a:extLst>
           </p:cNvPr>
@@ -658,7 +658,7 @@
           <a:bodyPr/>
           <a:lstStyle/>
           <a:p>
-            <a:fld id="{A7E5414E-846A-4165-9E04-8F66295E9E5F}" type="datetimeFigureOut">
+            <a:fld id="{889B81D4-70A8-46B0-BAD1-5043C90B53DD}" type="datetimeFigureOut">
               <a:rPr lang="zh-CN" altLang="en-US" smtClean="0"/>
               <a:t>2024/3/10</a:t>
             </a:fld>
@@ -671,7 +671,7 @@
           <p:cNvPr id="5" name="页脚占位符 4">
             <a:extLst>
               <a:ext uri="{FF2B5EF4-FFF2-40B4-BE49-F238E27FC236}">
-                <a16:creationId xmlns:a16="http://schemas.microsoft.com/office/drawing/2014/main" id="{4504D8D3-485D-6F0A-600A-8C63DFAE27FE}"/>
+                <a16:creationId xmlns:a16="http://schemas.microsoft.com/office/drawing/2014/main" id="{AF6420FF-14FD-280A-CB7D-E494B839FE91}"/>
               </a:ext>
             </a:extLst>
           </p:cNvPr>
@@ -696,7 +696,7 @@
           <p:cNvPr id="6" name="灯片编号占位符 5">
             <a:extLst>
               <a:ext uri="{FF2B5EF4-FFF2-40B4-BE49-F238E27FC236}">
-                <a16:creationId xmlns:a16="http://schemas.microsoft.com/office/drawing/2014/main" id="{FCECE82D-4548-69BC-34AF-1BBCDB746BFB}"/>
+                <a16:creationId xmlns:a16="http://schemas.microsoft.com/office/drawing/2014/main" id="{05BE1F9D-6602-3846-14F0-1E7505E9E386}"/>
               </a:ext>
             </a:extLst>
           </p:cNvPr>
@@ -712,7 +712,7 @@
           <a:bodyPr/>
           <a:lstStyle/>
           <a:p>
-            <a:fld id="{FF4F35A7-1251-4C4F-BD43-37786C8B0CCA}" type="slidenum">
+            <a:fld id="{1E92B35D-22E7-43B7-96CE-650CE805977C}" type="slidenum">
               <a:rPr lang="zh-CN" altLang="en-US" smtClean="0"/>
               <a:t>‹#›</a:t>
             </a:fld>
@@ -723,7 +723,7 @@
     </p:spTree>
     <p:extLst>
       <p:ext uri="{BB962C8B-B14F-4D97-AF65-F5344CB8AC3E}">
-        <p14:creationId xmlns:p14="http://schemas.microsoft.com/office/powerpoint/2010/main" val="3210036937"/>
+        <p14:creationId xmlns:p14="http://schemas.microsoft.com/office/powerpoint/2010/main" val="257028556"/>
       </p:ext>
     </p:extLst>
   </p:cSld>
@@ -755,7 +755,7 @@
           <p:cNvPr id="2" name="标题 1">
             <a:extLst>
               <a:ext uri="{FF2B5EF4-FFF2-40B4-BE49-F238E27FC236}">
-                <a16:creationId xmlns:a16="http://schemas.microsoft.com/office/drawing/2014/main" id="{E34FA883-C129-CDD3-0C97-CFE68C69BD06}"/>
+                <a16:creationId xmlns:a16="http://schemas.microsoft.com/office/drawing/2014/main" id="{C3B517E5-113F-E6CF-7D07-697276A001B1}"/>
               </a:ext>
             </a:extLst>
           </p:cNvPr>
@@ -783,7 +783,7 @@
           <p:cNvPr id="3" name="内容占位符 2">
             <a:extLst>
               <a:ext uri="{FF2B5EF4-FFF2-40B4-BE49-F238E27FC236}">
-                <a16:creationId xmlns:a16="http://schemas.microsoft.com/office/drawing/2014/main" id="{3298B775-89C0-4892-8EB2-E5C3C91BB757}"/>
+                <a16:creationId xmlns:a16="http://schemas.microsoft.com/office/drawing/2014/main" id="{9C4A4CF6-A015-5FD9-C16D-AE223D42F1B9}"/>
               </a:ext>
             </a:extLst>
           </p:cNvPr>
@@ -840,7 +840,7 @@
           <p:cNvPr id="4" name="日期占位符 3">
             <a:extLst>
               <a:ext uri="{FF2B5EF4-FFF2-40B4-BE49-F238E27FC236}">
-                <a16:creationId xmlns:a16="http://schemas.microsoft.com/office/drawing/2014/main" id="{B778C1F8-E627-0B85-858F-F9AC6667332E}"/>
+                <a16:creationId xmlns:a16="http://schemas.microsoft.com/office/drawing/2014/main" id="{363BA384-C2E4-7C91-015C-C53B8A5EE421}"/>
               </a:ext>
             </a:extLst>
           </p:cNvPr>
@@ -856,7 +856,7 @@
           <a:bodyPr/>
           <a:lstStyle/>
           <a:p>
-            <a:fld id="{A7E5414E-846A-4165-9E04-8F66295E9E5F}" type="datetimeFigureOut">
+            <a:fld id="{889B81D4-70A8-46B0-BAD1-5043C90B53DD}" type="datetimeFigureOut">
               <a:rPr lang="zh-CN" altLang="en-US" smtClean="0"/>
               <a:t>2024/3/10</a:t>
             </a:fld>
@@ -869,7 +869,7 @@
           <p:cNvPr id="5" name="页脚占位符 4">
             <a:extLst>
               <a:ext uri="{FF2B5EF4-FFF2-40B4-BE49-F238E27FC236}">
-                <a16:creationId xmlns:a16="http://schemas.microsoft.com/office/drawing/2014/main" id="{97E4652D-07A8-8556-D4D4-996E3D97CA89}"/>
+                <a16:creationId xmlns:a16="http://schemas.microsoft.com/office/drawing/2014/main" id="{FEC635C3-16DB-033D-6A6D-DFBFDDB13331}"/>
               </a:ext>
             </a:extLst>
           </p:cNvPr>
@@ -894,7 +894,7 @@
           <p:cNvPr id="6" name="灯片编号占位符 5">
             <a:extLst>
               <a:ext uri="{FF2B5EF4-FFF2-40B4-BE49-F238E27FC236}">
-                <a16:creationId xmlns:a16="http://schemas.microsoft.com/office/drawing/2014/main" id="{1DE38349-DED8-641E-0787-92BAE5992EEA}"/>
+                <a16:creationId xmlns:a16="http://schemas.microsoft.com/office/drawing/2014/main" id="{8D76623F-7966-F6A4-9748-E143DD592D38}"/>
               </a:ext>
             </a:extLst>
           </p:cNvPr>
@@ -910,7 +910,7 @@
           <a:bodyPr/>
           <a:lstStyle/>
           <a:p>
-            <a:fld id="{FF4F35A7-1251-4C4F-BD43-37786C8B0CCA}" type="slidenum">
+            <a:fld id="{1E92B35D-22E7-43B7-96CE-650CE805977C}" type="slidenum">
               <a:rPr lang="zh-CN" altLang="en-US" smtClean="0"/>
               <a:t>‹#›</a:t>
             </a:fld>
@@ -921,7 +921,7 @@
     </p:spTree>
     <p:extLst>
       <p:ext uri="{BB962C8B-B14F-4D97-AF65-F5344CB8AC3E}">
-        <p14:creationId xmlns:p14="http://schemas.microsoft.com/office/powerpoint/2010/main" val="3860156249"/>
+        <p14:creationId xmlns:p14="http://schemas.microsoft.com/office/powerpoint/2010/main" val="2241183993"/>
       </p:ext>
     </p:extLst>
   </p:cSld>
@@ -953,7 +953,7 @@
           <p:cNvPr id="2" name="标题 1">
             <a:extLst>
               <a:ext uri="{FF2B5EF4-FFF2-40B4-BE49-F238E27FC236}">
-                <a16:creationId xmlns:a16="http://schemas.microsoft.com/office/drawing/2014/main" id="{1F63CFFE-D227-A95E-13EA-81EED3125B47}"/>
+                <a16:creationId xmlns:a16="http://schemas.microsoft.com/office/drawing/2014/main" id="{AB82B24F-7559-97C1-E3F5-A92EA99DD363}"/>
               </a:ext>
             </a:extLst>
           </p:cNvPr>
@@ -990,7 +990,7 @@
           <p:cNvPr id="3" name="文本占位符 2">
             <a:extLst>
               <a:ext uri="{FF2B5EF4-FFF2-40B4-BE49-F238E27FC236}">
-                <a16:creationId xmlns:a16="http://schemas.microsoft.com/office/drawing/2014/main" id="{3A784785-EBCF-B826-835A-CD4714349145}"/>
+                <a16:creationId xmlns:a16="http://schemas.microsoft.com/office/drawing/2014/main" id="{F085EDBD-3C9C-8376-36EA-6422B2E13431}"/>
               </a:ext>
             </a:extLst>
           </p:cNvPr>
@@ -1115,7 +1115,7 @@
           <p:cNvPr id="4" name="日期占位符 3">
             <a:extLst>
               <a:ext uri="{FF2B5EF4-FFF2-40B4-BE49-F238E27FC236}">
-                <a16:creationId xmlns:a16="http://schemas.microsoft.com/office/drawing/2014/main" id="{DF57468F-9DFF-24CE-9AF1-4F7E478BEC37}"/>
+                <a16:creationId xmlns:a16="http://schemas.microsoft.com/office/drawing/2014/main" id="{34E47D03-CC6D-7083-BA4F-8414694DC8D8}"/>
               </a:ext>
             </a:extLst>
           </p:cNvPr>
@@ -1131,7 +1131,7 @@
           <a:bodyPr/>
           <a:lstStyle/>
           <a:p>
-            <a:fld id="{A7E5414E-846A-4165-9E04-8F66295E9E5F}" type="datetimeFigureOut">
+            <a:fld id="{889B81D4-70A8-46B0-BAD1-5043C90B53DD}" type="datetimeFigureOut">
               <a:rPr lang="zh-CN" altLang="en-US" smtClean="0"/>
               <a:t>2024/3/10</a:t>
             </a:fld>
@@ -1144,7 +1144,7 @@
           <p:cNvPr id="5" name="页脚占位符 4">
             <a:extLst>
               <a:ext uri="{FF2B5EF4-FFF2-40B4-BE49-F238E27FC236}">
-                <a16:creationId xmlns:a16="http://schemas.microsoft.com/office/drawing/2014/main" id="{42163428-B5A2-C9B6-04F4-265EE427C439}"/>
+                <a16:creationId xmlns:a16="http://schemas.microsoft.com/office/drawing/2014/main" id="{086CF219-EE7C-AF94-7F44-3CFF9BF87DBA}"/>
               </a:ext>
             </a:extLst>
           </p:cNvPr>
@@ -1169,7 +1169,7 @@
           <p:cNvPr id="6" name="灯片编号占位符 5">
             <a:extLst>
               <a:ext uri="{FF2B5EF4-FFF2-40B4-BE49-F238E27FC236}">
-                <a16:creationId xmlns:a16="http://schemas.microsoft.com/office/drawing/2014/main" id="{BDA339E2-6ACD-9560-1AD9-ADC90BDE5668}"/>
+                <a16:creationId xmlns:a16="http://schemas.microsoft.com/office/drawing/2014/main" id="{DEC7B02E-BFF3-2283-9758-D131623A1C45}"/>
               </a:ext>
             </a:extLst>
           </p:cNvPr>
@@ -1185,7 +1185,7 @@
           <a:bodyPr/>
           <a:lstStyle/>
           <a:p>
-            <a:fld id="{FF4F35A7-1251-4C4F-BD43-37786C8B0CCA}" type="slidenum">
+            <a:fld id="{1E92B35D-22E7-43B7-96CE-650CE805977C}" type="slidenum">
               <a:rPr lang="zh-CN" altLang="en-US" smtClean="0"/>
               <a:t>‹#›</a:t>
             </a:fld>
@@ -1196,7 +1196,7 @@
     </p:spTree>
     <p:extLst>
       <p:ext uri="{BB962C8B-B14F-4D97-AF65-F5344CB8AC3E}">
-        <p14:creationId xmlns:p14="http://schemas.microsoft.com/office/powerpoint/2010/main" val="2722477230"/>
+        <p14:creationId xmlns:p14="http://schemas.microsoft.com/office/powerpoint/2010/main" val="3161874220"/>
       </p:ext>
     </p:extLst>
   </p:cSld>
@@ -1228,7 +1228,7 @@
           <p:cNvPr id="2" name="标题 1">
             <a:extLst>
               <a:ext uri="{FF2B5EF4-FFF2-40B4-BE49-F238E27FC236}">
-                <a16:creationId xmlns:a16="http://schemas.microsoft.com/office/drawing/2014/main" id="{0B8D579B-943B-AACD-FBD8-1FDB2F01D45C}"/>
+                <a16:creationId xmlns:a16="http://schemas.microsoft.com/office/drawing/2014/main" id="{80C864F5-29DF-1BBA-7D35-BA06CCAA6652}"/>
               </a:ext>
             </a:extLst>
           </p:cNvPr>
@@ -1256,7 +1256,7 @@
           <p:cNvPr id="3" name="内容占位符 2">
             <a:extLst>
               <a:ext uri="{FF2B5EF4-FFF2-40B4-BE49-F238E27FC236}">
-                <a16:creationId xmlns:a16="http://schemas.microsoft.com/office/drawing/2014/main" id="{EEF49F2C-BC77-1097-A3B6-D58B277D4BAA}"/>
+                <a16:creationId xmlns:a16="http://schemas.microsoft.com/office/drawing/2014/main" id="{07DF807A-16D2-DBE2-9281-5BC5424EABCC}"/>
               </a:ext>
             </a:extLst>
           </p:cNvPr>
@@ -1318,7 +1318,7 @@
           <p:cNvPr id="4" name="内容占位符 3">
             <a:extLst>
               <a:ext uri="{FF2B5EF4-FFF2-40B4-BE49-F238E27FC236}">
-                <a16:creationId xmlns:a16="http://schemas.microsoft.com/office/drawing/2014/main" id="{F1187B27-0DB9-E41C-369F-801F2E29E816}"/>
+                <a16:creationId xmlns:a16="http://schemas.microsoft.com/office/drawing/2014/main" id="{557BDCA7-6D50-BC1E-9C04-BB92540F3DA6}"/>
               </a:ext>
             </a:extLst>
           </p:cNvPr>
@@ -1380,7 +1380,7 @@
           <p:cNvPr id="5" name="日期占位符 4">
             <a:extLst>
               <a:ext uri="{FF2B5EF4-FFF2-40B4-BE49-F238E27FC236}">
-                <a16:creationId xmlns:a16="http://schemas.microsoft.com/office/drawing/2014/main" id="{6D9834B9-02BF-657D-A705-300135902DFD}"/>
+                <a16:creationId xmlns:a16="http://schemas.microsoft.com/office/drawing/2014/main" id="{C5066D8D-D01B-CEDB-42CD-9A5764C70680}"/>
               </a:ext>
             </a:extLst>
           </p:cNvPr>
@@ -1396,7 +1396,7 @@
           <a:bodyPr/>
           <a:lstStyle/>
           <a:p>
-            <a:fld id="{A7E5414E-846A-4165-9E04-8F66295E9E5F}" type="datetimeFigureOut">
+            <a:fld id="{889B81D4-70A8-46B0-BAD1-5043C90B53DD}" type="datetimeFigureOut">
               <a:rPr lang="zh-CN" altLang="en-US" smtClean="0"/>
               <a:t>2024/3/10</a:t>
             </a:fld>
@@ -1409,7 +1409,7 @@
           <p:cNvPr id="6" name="页脚占位符 5">
             <a:extLst>
               <a:ext uri="{FF2B5EF4-FFF2-40B4-BE49-F238E27FC236}">
-                <a16:creationId xmlns:a16="http://schemas.microsoft.com/office/drawing/2014/main" id="{EEC9F35B-A9AF-B0BB-E7AD-EF918BB9AF5E}"/>
+                <a16:creationId xmlns:a16="http://schemas.microsoft.com/office/drawing/2014/main" id="{117E54C6-A1BD-94DE-4327-08C380C6C6E8}"/>
               </a:ext>
             </a:extLst>
           </p:cNvPr>
@@ -1434,7 +1434,7 @@
           <p:cNvPr id="7" name="灯片编号占位符 6">
             <a:extLst>
               <a:ext uri="{FF2B5EF4-FFF2-40B4-BE49-F238E27FC236}">
-                <a16:creationId xmlns:a16="http://schemas.microsoft.com/office/drawing/2014/main" id="{10CB7EDB-ACD3-FB7E-B3C6-38EBCA20D9AA}"/>
+                <a16:creationId xmlns:a16="http://schemas.microsoft.com/office/drawing/2014/main" id="{7D1FA076-F8DD-B8CA-BE36-6570FC5236C7}"/>
               </a:ext>
             </a:extLst>
           </p:cNvPr>
@@ -1450,7 +1450,7 @@
           <a:bodyPr/>
           <a:lstStyle/>
           <a:p>
-            <a:fld id="{FF4F35A7-1251-4C4F-BD43-37786C8B0CCA}" type="slidenum">
+            <a:fld id="{1E92B35D-22E7-43B7-96CE-650CE805977C}" type="slidenum">
               <a:rPr lang="zh-CN" altLang="en-US" smtClean="0"/>
               <a:t>‹#›</a:t>
             </a:fld>
@@ -1461,7 +1461,7 @@
     </p:spTree>
     <p:extLst>
       <p:ext uri="{BB962C8B-B14F-4D97-AF65-F5344CB8AC3E}">
-        <p14:creationId xmlns:p14="http://schemas.microsoft.com/office/powerpoint/2010/main" val="2234165947"/>
+        <p14:creationId xmlns:p14="http://schemas.microsoft.com/office/powerpoint/2010/main" val="4242604572"/>
       </p:ext>
     </p:extLst>
   </p:cSld>
@@ -1493,7 +1493,7 @@
           <p:cNvPr id="2" name="标题 1">
             <a:extLst>
               <a:ext uri="{FF2B5EF4-FFF2-40B4-BE49-F238E27FC236}">
-                <a16:creationId xmlns:a16="http://schemas.microsoft.com/office/drawing/2014/main" id="{EA488158-BF11-3BF5-30A6-45B183874103}"/>
+                <a16:creationId xmlns:a16="http://schemas.microsoft.com/office/drawing/2014/main" id="{49DD23C1-2A98-7B77-6F1E-4C003B98CFA4}"/>
               </a:ext>
             </a:extLst>
           </p:cNvPr>
@@ -1526,7 +1526,7 @@
           <p:cNvPr id="3" name="文本占位符 2">
             <a:extLst>
               <a:ext uri="{FF2B5EF4-FFF2-40B4-BE49-F238E27FC236}">
-                <a16:creationId xmlns:a16="http://schemas.microsoft.com/office/drawing/2014/main" id="{99690B08-1CCD-D13C-6663-C7AA57A49FD6}"/>
+                <a16:creationId xmlns:a16="http://schemas.microsoft.com/office/drawing/2014/main" id="{19D9DF1F-24B8-1708-FBC1-FAA79AF9AF5A}"/>
               </a:ext>
             </a:extLst>
           </p:cNvPr>
@@ -1597,7 +1597,7 @@
           <p:cNvPr id="4" name="内容占位符 3">
             <a:extLst>
               <a:ext uri="{FF2B5EF4-FFF2-40B4-BE49-F238E27FC236}">
-                <a16:creationId xmlns:a16="http://schemas.microsoft.com/office/drawing/2014/main" id="{B8E668C0-AF78-6CD7-D68C-DCEA13DF2F56}"/>
+                <a16:creationId xmlns:a16="http://schemas.microsoft.com/office/drawing/2014/main" id="{40F12F16-BDFC-1A8B-72B9-339BD866DF21}"/>
               </a:ext>
             </a:extLst>
           </p:cNvPr>
@@ -1659,7 +1659,7 @@
           <p:cNvPr id="5" name="文本占位符 4">
             <a:extLst>
               <a:ext uri="{FF2B5EF4-FFF2-40B4-BE49-F238E27FC236}">
-                <a16:creationId xmlns:a16="http://schemas.microsoft.com/office/drawing/2014/main" id="{C84134F0-6AFF-373B-8900-B15A43031030}"/>
+                <a16:creationId xmlns:a16="http://schemas.microsoft.com/office/drawing/2014/main" id="{D9FB3D90-FF79-E250-877E-CF70E02D756A}"/>
               </a:ext>
             </a:extLst>
           </p:cNvPr>
@@ -1730,7 +1730,7 @@
           <p:cNvPr id="6" name="内容占位符 5">
             <a:extLst>
               <a:ext uri="{FF2B5EF4-FFF2-40B4-BE49-F238E27FC236}">
-                <a16:creationId xmlns:a16="http://schemas.microsoft.com/office/drawing/2014/main" id="{EDF19DE1-E052-CF6E-4E27-30CF97A9CC63}"/>
+                <a16:creationId xmlns:a16="http://schemas.microsoft.com/office/drawing/2014/main" id="{655A920D-45D2-8E12-11DD-0FB24CFEAA08}"/>
               </a:ext>
             </a:extLst>
           </p:cNvPr>
@@ -1792,7 +1792,7 @@
           <p:cNvPr id="7" name="日期占位符 6">
             <a:extLst>
               <a:ext uri="{FF2B5EF4-FFF2-40B4-BE49-F238E27FC236}">
-                <a16:creationId xmlns:a16="http://schemas.microsoft.com/office/drawing/2014/main" id="{B6A9D75D-D051-FDA0-47C5-A56079B9E8D4}"/>
+                <a16:creationId xmlns:a16="http://schemas.microsoft.com/office/drawing/2014/main" id="{B7451B67-62DD-E688-5AE2-9AD635B405C0}"/>
               </a:ext>
             </a:extLst>
           </p:cNvPr>
@@ -1808,7 +1808,7 @@
           <a:bodyPr/>
           <a:lstStyle/>
           <a:p>
-            <a:fld id="{A7E5414E-846A-4165-9E04-8F66295E9E5F}" type="datetimeFigureOut">
+            <a:fld id="{889B81D4-70A8-46B0-BAD1-5043C90B53DD}" type="datetimeFigureOut">
               <a:rPr lang="zh-CN" altLang="en-US" smtClean="0"/>
               <a:t>2024/3/10</a:t>
             </a:fld>
@@ -1821,7 +1821,7 @@
           <p:cNvPr id="8" name="页脚占位符 7">
             <a:extLst>
               <a:ext uri="{FF2B5EF4-FFF2-40B4-BE49-F238E27FC236}">
-                <a16:creationId xmlns:a16="http://schemas.microsoft.com/office/drawing/2014/main" id="{CBC7908D-750C-4943-7B15-DC480B1DAF24}"/>
+                <a16:creationId xmlns:a16="http://schemas.microsoft.com/office/drawing/2014/main" id="{37ED8ED6-E69F-A67F-AEFC-F3BF512E8D60}"/>
               </a:ext>
             </a:extLst>
           </p:cNvPr>
@@ -1846,7 +1846,7 @@
           <p:cNvPr id="9" name="灯片编号占位符 8">
             <a:extLst>
               <a:ext uri="{FF2B5EF4-FFF2-40B4-BE49-F238E27FC236}">
-                <a16:creationId xmlns:a16="http://schemas.microsoft.com/office/drawing/2014/main" id="{8243407E-C25B-55DB-82FE-3EA5C00FCE58}"/>
+                <a16:creationId xmlns:a16="http://schemas.microsoft.com/office/drawing/2014/main" id="{D3E82E62-E743-83EC-7073-3AEB2F455CEC}"/>
               </a:ext>
             </a:extLst>
           </p:cNvPr>
@@ -1862,7 +1862,7 @@
           <a:bodyPr/>
           <a:lstStyle/>
           <a:p>
-            <a:fld id="{FF4F35A7-1251-4C4F-BD43-37786C8B0CCA}" type="slidenum">
+            <a:fld id="{1E92B35D-22E7-43B7-96CE-650CE805977C}" type="slidenum">
               <a:rPr lang="zh-CN" altLang="en-US" smtClean="0"/>
               <a:t>‹#›</a:t>
             </a:fld>
@@ -1873,7 +1873,7 @@
     </p:spTree>
     <p:extLst>
       <p:ext uri="{BB962C8B-B14F-4D97-AF65-F5344CB8AC3E}">
-        <p14:creationId xmlns:p14="http://schemas.microsoft.com/office/powerpoint/2010/main" val="218339551"/>
+        <p14:creationId xmlns:p14="http://schemas.microsoft.com/office/powerpoint/2010/main" val="1404255454"/>
       </p:ext>
     </p:extLst>
   </p:cSld>
@@ -1905,7 +1905,7 @@
           <p:cNvPr id="2" name="标题 1">
             <a:extLst>
               <a:ext uri="{FF2B5EF4-FFF2-40B4-BE49-F238E27FC236}">
-                <a16:creationId xmlns:a16="http://schemas.microsoft.com/office/drawing/2014/main" id="{184F2D6E-F29A-25B5-1BE5-6B3C13C1891A}"/>
+                <a16:creationId xmlns:a16="http://schemas.microsoft.com/office/drawing/2014/main" id="{5E2D3523-53A4-05E3-2887-57CAD07D2972}"/>
               </a:ext>
             </a:extLst>
           </p:cNvPr>
@@ -1933,7 +1933,7 @@
           <p:cNvPr id="3" name="日期占位符 2">
             <a:extLst>
               <a:ext uri="{FF2B5EF4-FFF2-40B4-BE49-F238E27FC236}">
-                <a16:creationId xmlns:a16="http://schemas.microsoft.com/office/drawing/2014/main" id="{6761E0AB-99A1-41D8-263E-8C8B77CFF8C2}"/>
+                <a16:creationId xmlns:a16="http://schemas.microsoft.com/office/drawing/2014/main" id="{30507A5B-78C5-E1AB-A154-31386952D120}"/>
               </a:ext>
             </a:extLst>
           </p:cNvPr>
@@ -1949,7 +1949,7 @@
           <a:bodyPr/>
           <a:lstStyle/>
           <a:p>
-            <a:fld id="{A7E5414E-846A-4165-9E04-8F66295E9E5F}" type="datetimeFigureOut">
+            <a:fld id="{889B81D4-70A8-46B0-BAD1-5043C90B53DD}" type="datetimeFigureOut">
               <a:rPr lang="zh-CN" altLang="en-US" smtClean="0"/>
               <a:t>2024/3/10</a:t>
             </a:fld>
@@ -1962,7 +1962,7 @@
           <p:cNvPr id="4" name="页脚占位符 3">
             <a:extLst>
               <a:ext uri="{FF2B5EF4-FFF2-40B4-BE49-F238E27FC236}">
-                <a16:creationId xmlns:a16="http://schemas.microsoft.com/office/drawing/2014/main" id="{78EBAFA5-7AE0-BEFC-9252-5539E2BDCB5F}"/>
+                <a16:creationId xmlns:a16="http://schemas.microsoft.com/office/drawing/2014/main" id="{E9DAE922-B00C-6FD2-A576-F530EA67E5F7}"/>
               </a:ext>
             </a:extLst>
           </p:cNvPr>
@@ -1987,7 +1987,7 @@
           <p:cNvPr id="5" name="灯片编号占位符 4">
             <a:extLst>
               <a:ext uri="{FF2B5EF4-FFF2-40B4-BE49-F238E27FC236}">
-                <a16:creationId xmlns:a16="http://schemas.microsoft.com/office/drawing/2014/main" id="{2CAC0A51-6994-FD11-6EF0-9C74858EECA4}"/>
+                <a16:creationId xmlns:a16="http://schemas.microsoft.com/office/drawing/2014/main" id="{F5AB0109-89B7-08FC-DA5B-0407E3C7845F}"/>
               </a:ext>
             </a:extLst>
           </p:cNvPr>
@@ -2003,7 +2003,7 @@
           <a:bodyPr/>
           <a:lstStyle/>
           <a:p>
-            <a:fld id="{FF4F35A7-1251-4C4F-BD43-37786C8B0CCA}" type="slidenum">
+            <a:fld id="{1E92B35D-22E7-43B7-96CE-650CE805977C}" type="slidenum">
               <a:rPr lang="zh-CN" altLang="en-US" smtClean="0"/>
               <a:t>‹#›</a:t>
             </a:fld>
@@ -2014,7 +2014,7 @@
     </p:spTree>
     <p:extLst>
       <p:ext uri="{BB962C8B-B14F-4D97-AF65-F5344CB8AC3E}">
-        <p14:creationId xmlns:p14="http://schemas.microsoft.com/office/powerpoint/2010/main" val="1238127978"/>
+        <p14:creationId xmlns:p14="http://schemas.microsoft.com/office/powerpoint/2010/main" val="1858778782"/>
       </p:ext>
     </p:extLst>
   </p:cSld>
@@ -2046,7 +2046,7 @@
           <p:cNvPr id="2" name="日期占位符 1">
             <a:extLst>
               <a:ext uri="{FF2B5EF4-FFF2-40B4-BE49-F238E27FC236}">
-                <a16:creationId xmlns:a16="http://schemas.microsoft.com/office/drawing/2014/main" id="{34ED5194-ACAE-7D6C-19D2-3E8F2C3DF2B8}"/>
+                <a16:creationId xmlns:a16="http://schemas.microsoft.com/office/drawing/2014/main" id="{F6A8A17D-F4BC-0FFF-CDB5-F3A7845A43B3}"/>
               </a:ext>
             </a:extLst>
           </p:cNvPr>
@@ -2062,7 +2062,7 @@
           <a:bodyPr/>
           <a:lstStyle/>
           <a:p>
-            <a:fld id="{A7E5414E-846A-4165-9E04-8F66295E9E5F}" type="datetimeFigureOut">
+            <a:fld id="{889B81D4-70A8-46B0-BAD1-5043C90B53DD}" type="datetimeFigureOut">
               <a:rPr lang="zh-CN" altLang="en-US" smtClean="0"/>
               <a:t>2024/3/10</a:t>
             </a:fld>
@@ -2075,7 +2075,7 @@
           <p:cNvPr id="3" name="页脚占位符 2">
             <a:extLst>
               <a:ext uri="{FF2B5EF4-FFF2-40B4-BE49-F238E27FC236}">
-                <a16:creationId xmlns:a16="http://schemas.microsoft.com/office/drawing/2014/main" id="{8FB4F304-FDB7-8D3D-3B5F-8CAF23D57F2F}"/>
+                <a16:creationId xmlns:a16="http://schemas.microsoft.com/office/drawing/2014/main" id="{A4696AF3-23A6-5479-F7BD-15C1BF3F4848}"/>
               </a:ext>
             </a:extLst>
           </p:cNvPr>
@@ -2100,7 +2100,7 @@
           <p:cNvPr id="4" name="灯片编号占位符 3">
             <a:extLst>
               <a:ext uri="{FF2B5EF4-FFF2-40B4-BE49-F238E27FC236}">
-                <a16:creationId xmlns:a16="http://schemas.microsoft.com/office/drawing/2014/main" id="{96F9EE2C-3034-D199-5339-C66C97747A59}"/>
+                <a16:creationId xmlns:a16="http://schemas.microsoft.com/office/drawing/2014/main" id="{D796982C-28AC-20FD-E670-4D4C15DECF85}"/>
               </a:ext>
             </a:extLst>
           </p:cNvPr>
@@ -2116,7 +2116,7 @@
           <a:bodyPr/>
           <a:lstStyle/>
           <a:p>
-            <a:fld id="{FF4F35A7-1251-4C4F-BD43-37786C8B0CCA}" type="slidenum">
+            <a:fld id="{1E92B35D-22E7-43B7-96CE-650CE805977C}" type="slidenum">
               <a:rPr lang="zh-CN" altLang="en-US" smtClean="0"/>
               <a:t>‹#›</a:t>
             </a:fld>
@@ -2127,7 +2127,7 @@
     </p:spTree>
     <p:extLst>
       <p:ext uri="{BB962C8B-B14F-4D97-AF65-F5344CB8AC3E}">
-        <p14:creationId xmlns:p14="http://schemas.microsoft.com/office/powerpoint/2010/main" val="736214734"/>
+        <p14:creationId xmlns:p14="http://schemas.microsoft.com/office/powerpoint/2010/main" val="1254809512"/>
       </p:ext>
     </p:extLst>
   </p:cSld>
@@ -2159,7 +2159,7 @@
           <p:cNvPr id="2" name="标题 1">
             <a:extLst>
               <a:ext uri="{FF2B5EF4-FFF2-40B4-BE49-F238E27FC236}">
-                <a16:creationId xmlns:a16="http://schemas.microsoft.com/office/drawing/2014/main" id="{BC93E03C-5FDD-D21B-8B6D-45E0B4C0F593}"/>
+                <a16:creationId xmlns:a16="http://schemas.microsoft.com/office/drawing/2014/main" id="{34CE109E-7FDE-69FB-6B36-973F4DB1CC7C}"/>
               </a:ext>
             </a:extLst>
           </p:cNvPr>
@@ -2196,7 +2196,7 @@
           <p:cNvPr id="3" name="内容占位符 2">
             <a:extLst>
               <a:ext uri="{FF2B5EF4-FFF2-40B4-BE49-F238E27FC236}">
-                <a16:creationId xmlns:a16="http://schemas.microsoft.com/office/drawing/2014/main" id="{AE8180DC-E98F-E540-D57B-B4E4A49694F1}"/>
+                <a16:creationId xmlns:a16="http://schemas.microsoft.com/office/drawing/2014/main" id="{0E3ABBD3-4BC1-F6D4-653B-E1D54288AC41}"/>
               </a:ext>
             </a:extLst>
           </p:cNvPr>
@@ -2286,7 +2286,7 @@
           <p:cNvPr id="4" name="文本占位符 3">
             <a:extLst>
               <a:ext uri="{FF2B5EF4-FFF2-40B4-BE49-F238E27FC236}">
-                <a16:creationId xmlns:a16="http://schemas.microsoft.com/office/drawing/2014/main" id="{6C946638-D0EF-4B2C-5236-71A035747DC6}"/>
+                <a16:creationId xmlns:a16="http://schemas.microsoft.com/office/drawing/2014/main" id="{EC6D45A6-FFFB-00E3-ED35-3F383435E56A}"/>
               </a:ext>
             </a:extLst>
           </p:cNvPr>
@@ -2357,7 +2357,7 @@
           <p:cNvPr id="5" name="日期占位符 4">
             <a:extLst>
               <a:ext uri="{FF2B5EF4-FFF2-40B4-BE49-F238E27FC236}">
-                <a16:creationId xmlns:a16="http://schemas.microsoft.com/office/drawing/2014/main" id="{7ACAD066-B639-5FCE-8330-E8D4AB2157F7}"/>
+                <a16:creationId xmlns:a16="http://schemas.microsoft.com/office/drawing/2014/main" id="{07B38123-A7AF-4A46-154E-F5CCFFAFDF51}"/>
               </a:ext>
             </a:extLst>
           </p:cNvPr>
@@ -2373,7 +2373,7 @@
           <a:bodyPr/>
           <a:lstStyle/>
           <a:p>
-            <a:fld id="{A7E5414E-846A-4165-9E04-8F66295E9E5F}" type="datetimeFigureOut">
+            <a:fld id="{889B81D4-70A8-46B0-BAD1-5043C90B53DD}" type="datetimeFigureOut">
               <a:rPr lang="zh-CN" altLang="en-US" smtClean="0"/>
               <a:t>2024/3/10</a:t>
             </a:fld>
@@ -2386,7 +2386,7 @@
           <p:cNvPr id="6" name="页脚占位符 5">
             <a:extLst>
               <a:ext uri="{FF2B5EF4-FFF2-40B4-BE49-F238E27FC236}">
-                <a16:creationId xmlns:a16="http://schemas.microsoft.com/office/drawing/2014/main" id="{94D1C6F0-084C-CA89-764D-62DCD15B1315}"/>
+                <a16:creationId xmlns:a16="http://schemas.microsoft.com/office/drawing/2014/main" id="{1CCBFFDE-57F5-9987-EC5A-42D03454B64A}"/>
               </a:ext>
             </a:extLst>
           </p:cNvPr>
@@ -2411,7 +2411,7 @@
           <p:cNvPr id="7" name="灯片编号占位符 6">
             <a:extLst>
               <a:ext uri="{FF2B5EF4-FFF2-40B4-BE49-F238E27FC236}">
-                <a16:creationId xmlns:a16="http://schemas.microsoft.com/office/drawing/2014/main" id="{822F3A43-49CD-3237-9AD0-084BABD2075D}"/>
+                <a16:creationId xmlns:a16="http://schemas.microsoft.com/office/drawing/2014/main" id="{5A933D38-8A93-E8AB-E407-6D195600CA2B}"/>
               </a:ext>
             </a:extLst>
           </p:cNvPr>
@@ -2427,7 +2427,7 @@
           <a:bodyPr/>
           <a:lstStyle/>
           <a:p>
-            <a:fld id="{FF4F35A7-1251-4C4F-BD43-37786C8B0CCA}" type="slidenum">
+            <a:fld id="{1E92B35D-22E7-43B7-96CE-650CE805977C}" type="slidenum">
               <a:rPr lang="zh-CN" altLang="en-US" smtClean="0"/>
               <a:t>‹#›</a:t>
             </a:fld>
@@ -2438,7 +2438,7 @@
     </p:spTree>
     <p:extLst>
       <p:ext uri="{BB962C8B-B14F-4D97-AF65-F5344CB8AC3E}">
-        <p14:creationId xmlns:p14="http://schemas.microsoft.com/office/powerpoint/2010/main" val="219113986"/>
+        <p14:creationId xmlns:p14="http://schemas.microsoft.com/office/powerpoint/2010/main" val="3433749515"/>
       </p:ext>
     </p:extLst>
   </p:cSld>
@@ -2470,7 +2470,7 @@
           <p:cNvPr id="2" name="标题 1">
             <a:extLst>
               <a:ext uri="{FF2B5EF4-FFF2-40B4-BE49-F238E27FC236}">
-                <a16:creationId xmlns:a16="http://schemas.microsoft.com/office/drawing/2014/main" id="{94C95682-057B-FD1F-72FD-D6B124721366}"/>
+                <a16:creationId xmlns:a16="http://schemas.microsoft.com/office/drawing/2014/main" id="{ADA6242E-DBDF-F71A-B72D-5EA2E6BD75E1}"/>
               </a:ext>
             </a:extLst>
           </p:cNvPr>
@@ -2507,7 +2507,7 @@
           <p:cNvPr id="3" name="图片占位符 2">
             <a:extLst>
               <a:ext uri="{FF2B5EF4-FFF2-40B4-BE49-F238E27FC236}">
-                <a16:creationId xmlns:a16="http://schemas.microsoft.com/office/drawing/2014/main" id="{8EE72E3E-828E-5603-52CA-51AAE0BDAF49}"/>
+                <a16:creationId xmlns:a16="http://schemas.microsoft.com/office/drawing/2014/main" id="{250AF62B-8C2F-C4FF-20A9-B6A34462A467}"/>
               </a:ext>
             </a:extLst>
           </p:cNvPr>
@@ -2574,7 +2574,7 @@
           <p:cNvPr id="4" name="文本占位符 3">
             <a:extLst>
               <a:ext uri="{FF2B5EF4-FFF2-40B4-BE49-F238E27FC236}">
-                <a16:creationId xmlns:a16="http://schemas.microsoft.com/office/drawing/2014/main" id="{F0F4812A-6FE8-03F2-1DF8-02880349C1E0}"/>
+                <a16:creationId xmlns:a16="http://schemas.microsoft.com/office/drawing/2014/main" id="{7FE06412-9236-DC88-FB84-3C59F5539F03}"/>
               </a:ext>
             </a:extLst>
           </p:cNvPr>
@@ -2645,7 +2645,7 @@
           <p:cNvPr id="5" name="日期占位符 4">
             <a:extLst>
               <a:ext uri="{FF2B5EF4-FFF2-40B4-BE49-F238E27FC236}">
-                <a16:creationId xmlns:a16="http://schemas.microsoft.com/office/drawing/2014/main" id="{18FDD4DF-6607-DBC9-F839-A63B3544E260}"/>
+                <a16:creationId xmlns:a16="http://schemas.microsoft.com/office/drawing/2014/main" id="{974B8A46-FB66-17C5-32B2-DFC893A76387}"/>
               </a:ext>
             </a:extLst>
           </p:cNvPr>
@@ -2661,7 +2661,7 @@
           <a:bodyPr/>
           <a:lstStyle/>
           <a:p>
-            <a:fld id="{A7E5414E-846A-4165-9E04-8F66295E9E5F}" type="datetimeFigureOut">
+            <a:fld id="{889B81D4-70A8-46B0-BAD1-5043C90B53DD}" type="datetimeFigureOut">
               <a:rPr lang="zh-CN" altLang="en-US" smtClean="0"/>
               <a:t>2024/3/10</a:t>
             </a:fld>
@@ -2674,7 +2674,7 @@
           <p:cNvPr id="6" name="页脚占位符 5">
             <a:extLst>
               <a:ext uri="{FF2B5EF4-FFF2-40B4-BE49-F238E27FC236}">
-                <a16:creationId xmlns:a16="http://schemas.microsoft.com/office/drawing/2014/main" id="{6B6E8C7B-67F3-F625-E887-9DBA51AB7A89}"/>
+                <a16:creationId xmlns:a16="http://schemas.microsoft.com/office/drawing/2014/main" id="{13614B5B-E46D-BE20-93FA-DFFC31E840DB}"/>
               </a:ext>
             </a:extLst>
           </p:cNvPr>
@@ -2699,7 +2699,7 @@
           <p:cNvPr id="7" name="灯片编号占位符 6">
             <a:extLst>
               <a:ext uri="{FF2B5EF4-FFF2-40B4-BE49-F238E27FC236}">
-                <a16:creationId xmlns:a16="http://schemas.microsoft.com/office/drawing/2014/main" id="{2483C9A4-3103-ED93-5508-CAB5902848C2}"/>
+                <a16:creationId xmlns:a16="http://schemas.microsoft.com/office/drawing/2014/main" id="{FB4B3B71-3C1B-21D7-C5A4-7CDBABBAD35F}"/>
               </a:ext>
             </a:extLst>
           </p:cNvPr>
@@ -2715,7 +2715,7 @@
           <a:bodyPr/>
           <a:lstStyle/>
           <a:p>
-            <a:fld id="{FF4F35A7-1251-4C4F-BD43-37786C8B0CCA}" type="slidenum">
+            <a:fld id="{1E92B35D-22E7-43B7-96CE-650CE805977C}" type="slidenum">
               <a:rPr lang="zh-CN" altLang="en-US" smtClean="0"/>
               <a:t>‹#›</a:t>
             </a:fld>
@@ -2726,7 +2726,7 @@
     </p:spTree>
     <p:extLst>
       <p:ext uri="{BB962C8B-B14F-4D97-AF65-F5344CB8AC3E}">
-        <p14:creationId xmlns:p14="http://schemas.microsoft.com/office/powerpoint/2010/main" val="728098462"/>
+        <p14:creationId xmlns:p14="http://schemas.microsoft.com/office/powerpoint/2010/main" val="266602229"/>
       </p:ext>
     </p:extLst>
   </p:cSld>
@@ -2763,7 +2763,7 @@
           <p:cNvPr id="2" name="标题占位符 1">
             <a:extLst>
               <a:ext uri="{FF2B5EF4-FFF2-40B4-BE49-F238E27FC236}">
-                <a16:creationId xmlns:a16="http://schemas.microsoft.com/office/drawing/2014/main" id="{60EEA056-BFEC-A041-F3F3-C576FABACA5E}"/>
+                <a16:creationId xmlns:a16="http://schemas.microsoft.com/office/drawing/2014/main" id="{D3C1C268-7DCF-F009-521C-471996CA3EE8}"/>
               </a:ext>
             </a:extLst>
           </p:cNvPr>
@@ -2801,7 +2801,7 @@
           <p:cNvPr id="3" name="文本占位符 2">
             <a:extLst>
               <a:ext uri="{FF2B5EF4-FFF2-40B4-BE49-F238E27FC236}">
-                <a16:creationId xmlns:a16="http://schemas.microsoft.com/office/drawing/2014/main" id="{0DB8CBF5-A31A-C245-E783-83781BDB55B5}"/>
+                <a16:creationId xmlns:a16="http://schemas.microsoft.com/office/drawing/2014/main" id="{2AE05FC6-3F80-F62E-624A-010FD40C0C5E}"/>
               </a:ext>
             </a:extLst>
           </p:cNvPr>
@@ -2868,7 +2868,7 @@
           <p:cNvPr id="4" name="日期占位符 3">
             <a:extLst>
               <a:ext uri="{FF2B5EF4-FFF2-40B4-BE49-F238E27FC236}">
-                <a16:creationId xmlns:a16="http://schemas.microsoft.com/office/drawing/2014/main" id="{8BF93455-53BD-272B-8260-F93A53F83905}"/>
+                <a16:creationId xmlns:a16="http://schemas.microsoft.com/office/drawing/2014/main" id="{2CF4CB41-421C-A0FE-7D83-1ADE93F9F3E1}"/>
               </a:ext>
             </a:extLst>
           </p:cNvPr>
@@ -2902,7 +2902,7 @@
             </a:lvl1pPr>
           </a:lstStyle>
           <a:p>
-            <a:fld id="{A7E5414E-846A-4165-9E04-8F66295E9E5F}" type="datetimeFigureOut">
+            <a:fld id="{889B81D4-70A8-46B0-BAD1-5043C90B53DD}" type="datetimeFigureOut">
               <a:rPr lang="zh-CN" altLang="en-US" smtClean="0"/>
               <a:t>2024/3/10</a:t>
             </a:fld>
@@ -2915,7 +2915,7 @@
           <p:cNvPr id="5" name="页脚占位符 4">
             <a:extLst>
               <a:ext uri="{FF2B5EF4-FFF2-40B4-BE49-F238E27FC236}">
-                <a16:creationId xmlns:a16="http://schemas.microsoft.com/office/drawing/2014/main" id="{AECB73FA-4786-199A-A1B5-BC69128839B7}"/>
+                <a16:creationId xmlns:a16="http://schemas.microsoft.com/office/drawing/2014/main" id="{D0B97A62-543C-F557-66F9-D2038C2CBC64}"/>
               </a:ext>
             </a:extLst>
           </p:cNvPr>
@@ -2958,7 +2958,7 @@
           <p:cNvPr id="6" name="灯片编号占位符 5">
             <a:extLst>
               <a:ext uri="{FF2B5EF4-FFF2-40B4-BE49-F238E27FC236}">
-                <a16:creationId xmlns:a16="http://schemas.microsoft.com/office/drawing/2014/main" id="{CDDD06C8-EBD5-9F7F-716C-FE686CA8247B}"/>
+                <a16:creationId xmlns:a16="http://schemas.microsoft.com/office/drawing/2014/main" id="{C0035288-0C61-075E-7062-AF1FF6909BF3}"/>
               </a:ext>
             </a:extLst>
           </p:cNvPr>
@@ -2992,7 +2992,7 @@
             </a:lvl1pPr>
           </a:lstStyle>
           <a:p>
-            <a:fld id="{FF4F35A7-1251-4C4F-BD43-37786C8B0CCA}" type="slidenum">
+            <a:fld id="{1E92B35D-22E7-43B7-96CE-650CE805977C}" type="slidenum">
               <a:rPr lang="zh-CN" altLang="en-US" smtClean="0"/>
               <a:t>‹#›</a:t>
             </a:fld>
@@ -3003,7 +3003,7 @@
     </p:spTree>
     <p:extLst>
       <p:ext uri="{BB962C8B-B14F-4D97-AF65-F5344CB8AC3E}">
-        <p14:creationId xmlns:p14="http://schemas.microsoft.com/office/powerpoint/2010/main" val="3176422373"/>
+        <p14:creationId xmlns:p14="http://schemas.microsoft.com/office/powerpoint/2010/main" val="3317709797"/>
       </p:ext>
     </p:extLst>
   </p:cSld>
